--- a/07-Arrays.pptx
+++ b/07-Arrays.pptx
@@ -5,7 +5,7 @@
     <p:sldMasterId id="2147483648" r:id="rId1"/>
   </p:sldMasterIdLst>
   <p:notesMasterIdLst>
-    <p:notesMasterId r:id="rId19"/>
+    <p:notesMasterId r:id="rId21"/>
   </p:notesMasterIdLst>
   <p:sldIdLst>
     <p:sldId id="256" r:id="rId2"/>
@@ -19,12 +19,14 @@
     <p:sldId id="342" r:id="rId10"/>
     <p:sldId id="344" r:id="rId11"/>
     <p:sldId id="338" r:id="rId12"/>
-    <p:sldId id="348" r:id="rId13"/>
-    <p:sldId id="268" r:id="rId14"/>
-    <p:sldId id="290" r:id="rId15"/>
-    <p:sldId id="349" r:id="rId16"/>
-    <p:sldId id="331" r:id="rId17"/>
-    <p:sldId id="332" r:id="rId18"/>
+    <p:sldId id="350" r:id="rId13"/>
+    <p:sldId id="348" r:id="rId14"/>
+    <p:sldId id="351" r:id="rId15"/>
+    <p:sldId id="268" r:id="rId16"/>
+    <p:sldId id="290" r:id="rId17"/>
+    <p:sldId id="349" r:id="rId18"/>
+    <p:sldId id="331" r:id="rId19"/>
+    <p:sldId id="332" r:id="rId20"/>
   </p:sldIdLst>
   <p:sldSz cx="9144000" cy="6858000" type="screen4x3"/>
   <p:notesSz cx="6858000" cy="9144000"/>
@@ -224,7 +226,7 @@
           <a:p>
             <a:fld id="{1A052DDE-B79B-4585-97B6-DCDE6083B029}" type="datetimeFigureOut">
               <a:rPr lang="bg-BG" smtClean="0"/>
-              <a:t>27.6.2015 г.</a:t>
+              <a:t>2.11.2015 г.</a:t>
             </a:fld>
             <a:endParaRPr lang="bg-BG"/>
           </a:p>
@@ -1009,7 +1011,7 @@
           <a:p>
             <a:fld id="{3EA744D9-3FBE-48D8-BF2A-85DF203E4D20}" type="datetimeFigureOut">
               <a:rPr lang="bg-BG" smtClean="0"/>
-              <a:t>27.6.2015 г.</a:t>
+              <a:t>2.11.2015 г.</a:t>
             </a:fld>
             <a:endParaRPr lang="bg-BG"/>
           </a:p>
@@ -1179,7 +1181,7 @@
           <a:p>
             <a:fld id="{3EA744D9-3FBE-48D8-BF2A-85DF203E4D20}" type="datetimeFigureOut">
               <a:rPr lang="bg-BG" smtClean="0"/>
-              <a:t>27.6.2015 г.</a:t>
+              <a:t>2.11.2015 г.</a:t>
             </a:fld>
             <a:endParaRPr lang="bg-BG"/>
           </a:p>
@@ -1359,7 +1361,7 @@
           <a:p>
             <a:fld id="{3EA744D9-3FBE-48D8-BF2A-85DF203E4D20}" type="datetimeFigureOut">
               <a:rPr lang="bg-BG" smtClean="0"/>
-              <a:t>27.6.2015 г.</a:t>
+              <a:t>2.11.2015 г.</a:t>
             </a:fld>
             <a:endParaRPr lang="bg-BG"/>
           </a:p>
@@ -1529,7 +1531,7 @@
           <a:p>
             <a:fld id="{3EA744D9-3FBE-48D8-BF2A-85DF203E4D20}" type="datetimeFigureOut">
               <a:rPr lang="bg-BG" smtClean="0"/>
-              <a:t>27.6.2015 г.</a:t>
+              <a:t>2.11.2015 г.</a:t>
             </a:fld>
             <a:endParaRPr lang="bg-BG"/>
           </a:p>
@@ -1775,7 +1777,7 @@
           <a:p>
             <a:fld id="{3EA744D9-3FBE-48D8-BF2A-85DF203E4D20}" type="datetimeFigureOut">
               <a:rPr lang="bg-BG" smtClean="0"/>
-              <a:t>27.6.2015 г.</a:t>
+              <a:t>2.11.2015 г.</a:t>
             </a:fld>
             <a:endParaRPr lang="bg-BG"/>
           </a:p>
@@ -2063,7 +2065,7 @@
           <a:p>
             <a:fld id="{3EA744D9-3FBE-48D8-BF2A-85DF203E4D20}" type="datetimeFigureOut">
               <a:rPr lang="bg-BG" smtClean="0"/>
-              <a:t>27.6.2015 г.</a:t>
+              <a:t>2.11.2015 г.</a:t>
             </a:fld>
             <a:endParaRPr lang="bg-BG"/>
           </a:p>
@@ -2485,7 +2487,7 @@
           <a:p>
             <a:fld id="{3EA744D9-3FBE-48D8-BF2A-85DF203E4D20}" type="datetimeFigureOut">
               <a:rPr lang="bg-BG" smtClean="0"/>
-              <a:t>27.6.2015 г.</a:t>
+              <a:t>2.11.2015 г.</a:t>
             </a:fld>
             <a:endParaRPr lang="bg-BG"/>
           </a:p>
@@ -2603,7 +2605,7 @@
           <a:p>
             <a:fld id="{3EA744D9-3FBE-48D8-BF2A-85DF203E4D20}" type="datetimeFigureOut">
               <a:rPr lang="bg-BG" smtClean="0"/>
-              <a:t>27.6.2015 г.</a:t>
+              <a:t>2.11.2015 г.</a:t>
             </a:fld>
             <a:endParaRPr lang="bg-BG"/>
           </a:p>
@@ -2698,7 +2700,7 @@
           <a:p>
             <a:fld id="{3EA744D9-3FBE-48D8-BF2A-85DF203E4D20}" type="datetimeFigureOut">
               <a:rPr lang="bg-BG" smtClean="0"/>
-              <a:t>27.6.2015 г.</a:t>
+              <a:t>2.11.2015 г.</a:t>
             </a:fld>
             <a:endParaRPr lang="bg-BG"/>
           </a:p>
@@ -2975,7 +2977,7 @@
           <a:p>
             <a:fld id="{3EA744D9-3FBE-48D8-BF2A-85DF203E4D20}" type="datetimeFigureOut">
               <a:rPr lang="bg-BG" smtClean="0"/>
-              <a:t>27.6.2015 г.</a:t>
+              <a:t>2.11.2015 г.</a:t>
             </a:fld>
             <a:endParaRPr lang="bg-BG"/>
           </a:p>
@@ -3228,7 +3230,7 @@
           <a:p>
             <a:fld id="{3EA744D9-3FBE-48D8-BF2A-85DF203E4D20}" type="datetimeFigureOut">
               <a:rPr lang="bg-BG" smtClean="0"/>
-              <a:t>27.6.2015 г.</a:t>
+              <a:t>2.11.2015 г.</a:t>
             </a:fld>
             <a:endParaRPr lang="bg-BG"/>
           </a:p>
@@ -3450,7 +3452,7 @@
           <a:p>
             <a:fld id="{3EA744D9-3FBE-48D8-BF2A-85DF203E4D20}" type="datetimeFigureOut">
               <a:rPr lang="bg-BG" smtClean="0"/>
-              <a:t>27.6.2015 г.</a:t>
+              <a:t>2.11.2015 г.</a:t>
             </a:fld>
             <a:endParaRPr lang="bg-BG"/>
           </a:p>
@@ -4006,17 +4008,7 @@
                   </a:schemeClr>
                 </a:solidFill>
               </a:rPr>
-              <a:t>matrix </a:t>
-            </a:r>
-            <a:r>
-              <a:rPr lang="en-US" dirty="0" smtClean="0">
-                <a:solidFill>
-                  <a:schemeClr val="bg1">
-                    <a:lumMod val="95000"/>
-                  </a:schemeClr>
-                </a:solidFill>
-              </a:rPr>
-              <a:t>= new </a:t>
+              <a:t>matrix = new </a:t>
             </a:r>
             <a:r>
               <a:rPr lang="en-US" dirty="0" err="1" smtClean="0">
@@ -4389,6 +4381,173 @@
             <p:ph type="title"/>
           </p:nvPr>
         </p:nvSpPr>
+        <p:spPr/>
+        <p:txBody>
+          <a:bodyPr/>
+          <a:lstStyle/>
+          <a:p>
+            <a:r>
+              <a:rPr lang="bg-BG" dirty="0">
+                <a:solidFill>
+                  <a:schemeClr val="accent6"/>
+                </a:solidFill>
+              </a:rPr>
+              <a:t>Задача</a:t>
+            </a:r>
+            <a:endParaRPr lang="en-US" dirty="0"/>
+          </a:p>
+        </p:txBody>
+      </p:sp>
+      <p:sp>
+        <p:nvSpPr>
+          <p:cNvPr id="3" name="Content Placeholder 2"/>
+          <p:cNvSpPr>
+            <a:spLocks noGrp="1"/>
+          </p:cNvSpPr>
+          <p:nvPr>
+            <p:ph idx="1"/>
+          </p:nvPr>
+        </p:nvSpPr>
+        <p:spPr/>
+        <p:txBody>
+          <a:bodyPr/>
+          <a:lstStyle/>
+          <a:p>
+            <a:r>
+              <a:rPr lang="bg-BG" dirty="0">
+                <a:solidFill>
+                  <a:schemeClr val="bg1">
+                    <a:lumMod val="95000"/>
+                  </a:schemeClr>
+                </a:solidFill>
+              </a:rPr>
+              <a:t>Напишете програма</a:t>
+            </a:r>
+            <a:r>
+              <a:rPr lang="en-US" dirty="0">
+                <a:solidFill>
+                  <a:schemeClr val="bg1">
+                    <a:lumMod val="95000"/>
+                  </a:schemeClr>
+                </a:solidFill>
+              </a:rPr>
+              <a:t>,  </a:t>
+            </a:r>
+            <a:r>
+              <a:rPr lang="bg-BG" dirty="0">
+                <a:solidFill>
+                  <a:schemeClr val="bg1">
+                    <a:lumMod val="95000"/>
+                  </a:schemeClr>
+                </a:solidFill>
+              </a:rPr>
+              <a:t>която пълни двумерен масив с размер </a:t>
+            </a:r>
+            <a:r>
+              <a:rPr lang="bg-BG" dirty="0" smtClean="0">
+                <a:solidFill>
+                  <a:schemeClr val="bg1">
+                    <a:lumMod val="95000"/>
+                  </a:schemeClr>
+                </a:solidFill>
+              </a:rPr>
+              <a:t>4х4, с числата от </a:t>
+            </a:r>
+            <a:r>
+              <a:rPr lang="en-US" dirty="0" smtClean="0">
+                <a:solidFill>
+                  <a:schemeClr val="bg1">
+                    <a:lumMod val="95000"/>
+                  </a:schemeClr>
+                </a:solidFill>
+              </a:rPr>
+              <a:t>n </a:t>
+            </a:r>
+            <a:r>
+              <a:rPr lang="bg-BG" dirty="0" smtClean="0">
+                <a:solidFill>
+                  <a:schemeClr val="bg1">
+                    <a:lumMod val="95000"/>
+                  </a:schemeClr>
+                </a:solidFill>
+              </a:rPr>
+              <a:t>до </a:t>
+            </a:r>
+            <a:r>
+              <a:rPr lang="en-US" dirty="0" smtClean="0">
+                <a:solidFill>
+                  <a:schemeClr val="bg1">
+                    <a:lumMod val="95000"/>
+                  </a:schemeClr>
+                </a:solidFill>
+              </a:rPr>
+              <a:t>n-15.</a:t>
+            </a:r>
+          </a:p>
+          <a:p>
+            <a:endParaRPr lang="en-US" dirty="0">
+              <a:solidFill>
+                <a:schemeClr val="bg1">
+                  <a:lumMod val="95000"/>
+                </a:schemeClr>
+              </a:solidFill>
+            </a:endParaRPr>
+          </a:p>
+          <a:p>
+            <a:r>
+              <a:rPr lang="bg-BG" dirty="0" smtClean="0">
+                <a:solidFill>
+                  <a:schemeClr val="bg1">
+                    <a:lumMod val="95000"/>
+                  </a:schemeClr>
+                </a:solidFill>
+              </a:rPr>
+              <a:t>Отпечатайте я на екрана в табличен вид</a:t>
+            </a:r>
+            <a:endParaRPr lang="en-US" dirty="0"/>
+          </a:p>
+        </p:txBody>
+      </p:sp>
+    </p:spTree>
+    <p:extLst>
+      <p:ext uri="{BB962C8B-B14F-4D97-AF65-F5344CB8AC3E}">
+        <p14:creationId xmlns:p14="http://schemas.microsoft.com/office/powerpoint/2010/main" val="1963394996"/>
+      </p:ext>
+    </p:extLst>
+  </p:cSld>
+  <p:clrMapOvr>
+    <a:masterClrMapping/>
+  </p:clrMapOvr>
+</p:sld>
+</file>
+
+<file path=ppt/slides/slide13.xml><?xml version="1.0" encoding="utf-8"?>
+<p:sld xmlns:a="http://schemas.openxmlformats.org/drawingml/2006/main" xmlns:r="http://schemas.openxmlformats.org/officeDocument/2006/relationships" xmlns:p="http://schemas.openxmlformats.org/presentationml/2006/main">
+  <p:cSld>
+    <p:spTree>
+      <p:nvGrpSpPr>
+        <p:cNvPr id="1" name=""/>
+        <p:cNvGrpSpPr/>
+        <p:nvPr/>
+      </p:nvGrpSpPr>
+      <p:grpSpPr>
+        <a:xfrm>
+          <a:off x="0" y="0"/>
+          <a:ext cx="0" cy="0"/>
+          <a:chOff x="0" y="0"/>
+          <a:chExt cx="0" cy="0"/>
+        </a:xfrm>
+      </p:grpSpPr>
+      <p:sp>
+        <p:nvSpPr>
+          <p:cNvPr id="2" name="Title 1"/>
+          <p:cNvSpPr>
+            <a:spLocks noGrp="1"/>
+          </p:cNvSpPr>
+          <p:nvPr>
+            <p:ph type="title"/>
+          </p:nvPr>
+        </p:nvSpPr>
         <p:spPr>
           <a:xfrm>
             <a:off x="838200" y="685800"/>
@@ -4489,25 +4648,8 @@
                   </a:schemeClr>
                 </a:solidFill>
               </a:rPr>
-              <a:t>Обходете повторно матрицата и умножете всички нечетни числа по 2, така че всички числа да станат </a:t>
-            </a:r>
-            <a:r>
-              <a:rPr lang="bg-BG" smtClean="0">
-                <a:solidFill>
-                  <a:schemeClr val="bg1">
-                    <a:lumMod val="95000"/>
-                  </a:schemeClr>
-                </a:solidFill>
-              </a:rPr>
-              <a:t>четни или 0.</a:t>
-            </a:r>
-            <a:endParaRPr lang="bg-BG" dirty="0" smtClean="0">
-              <a:solidFill>
-                <a:schemeClr val="bg1">
-                  <a:lumMod val="95000"/>
-                </a:schemeClr>
-              </a:solidFill>
-            </a:endParaRPr>
+              <a:t>Обходете повторно матрицата и умножете всички нечетни числа по 2, така че всички числа да станат четни или 0.</a:t>
+            </a:r>
           </a:p>
         </p:txBody>
       </p:sp>
@@ -4531,7 +4673,153 @@
 </p:sld>
 </file>
 
-<file path=ppt/slides/slide13.xml><?xml version="1.0" encoding="utf-8"?>
+<file path=ppt/slides/slide14.xml><?xml version="1.0" encoding="utf-8"?>
+<p:sld xmlns:a="http://schemas.openxmlformats.org/drawingml/2006/main" xmlns:r="http://schemas.openxmlformats.org/officeDocument/2006/relationships" xmlns:p="http://schemas.openxmlformats.org/presentationml/2006/main">
+  <p:cSld>
+    <p:spTree>
+      <p:nvGrpSpPr>
+        <p:cNvPr id="1" name=""/>
+        <p:cNvGrpSpPr/>
+        <p:nvPr/>
+      </p:nvGrpSpPr>
+      <p:grpSpPr>
+        <a:xfrm>
+          <a:off x="0" y="0"/>
+          <a:ext cx="0" cy="0"/>
+          <a:chOff x="0" y="0"/>
+          <a:chExt cx="0" cy="0"/>
+        </a:xfrm>
+      </p:grpSpPr>
+      <p:sp>
+        <p:nvSpPr>
+          <p:cNvPr id="2" name="Title 1"/>
+          <p:cNvSpPr>
+            <a:spLocks noGrp="1"/>
+          </p:cNvSpPr>
+          <p:nvPr>
+            <p:ph type="title"/>
+          </p:nvPr>
+        </p:nvSpPr>
+        <p:spPr/>
+        <p:txBody>
+          <a:bodyPr/>
+          <a:lstStyle/>
+          <a:p>
+            <a:r>
+              <a:rPr lang="bg-BG" dirty="0">
+                <a:solidFill>
+                  <a:schemeClr val="accent6"/>
+                </a:solidFill>
+              </a:rPr>
+              <a:t>Задача</a:t>
+            </a:r>
+            <a:endParaRPr lang="en-US" dirty="0"/>
+          </a:p>
+        </p:txBody>
+      </p:sp>
+      <p:sp>
+        <p:nvSpPr>
+          <p:cNvPr id="3" name="Content Placeholder 2"/>
+          <p:cNvSpPr>
+            <a:spLocks noGrp="1"/>
+          </p:cNvSpPr>
+          <p:nvPr>
+            <p:ph idx="1"/>
+          </p:nvPr>
+        </p:nvSpPr>
+        <p:spPr/>
+        <p:txBody>
+          <a:bodyPr/>
+          <a:lstStyle/>
+          <a:p>
+            <a:r>
+              <a:rPr lang="bg-BG" dirty="0">
+                <a:solidFill>
+                  <a:schemeClr val="bg1">
+                    <a:lumMod val="95000"/>
+                  </a:schemeClr>
+                </a:solidFill>
+              </a:rPr>
+              <a:t>Напишете програма</a:t>
+            </a:r>
+            <a:r>
+              <a:rPr lang="en-US" dirty="0">
+                <a:solidFill>
+                  <a:schemeClr val="bg1">
+                    <a:lumMod val="95000"/>
+                  </a:schemeClr>
+                </a:solidFill>
+              </a:rPr>
+              <a:t>,  </a:t>
+            </a:r>
+            <a:r>
+              <a:rPr lang="bg-BG" dirty="0">
+                <a:solidFill>
+                  <a:schemeClr val="bg1">
+                    <a:lumMod val="95000"/>
+                  </a:schemeClr>
+                </a:solidFill>
+              </a:rPr>
+              <a:t>която пълни двумерен масив с размер </a:t>
+            </a:r>
+            <a:r>
+              <a:rPr lang="en-US" dirty="0" err="1">
+                <a:solidFill>
+                  <a:schemeClr val="bg1">
+                    <a:lumMod val="95000"/>
+                  </a:schemeClr>
+                </a:solidFill>
+              </a:rPr>
+              <a:t>N</a:t>
+            </a:r>
+            <a:r>
+              <a:rPr lang="en-US" dirty="0" err="1" smtClean="0">
+                <a:solidFill>
+                  <a:schemeClr val="bg1">
+                    <a:lumMod val="95000"/>
+                  </a:schemeClr>
+                </a:solidFill>
+              </a:rPr>
+              <a:t>xN</a:t>
+            </a:r>
+            <a:r>
+              <a:rPr lang="bg-BG" dirty="0" smtClean="0">
+                <a:solidFill>
+                  <a:schemeClr val="bg1">
+                    <a:lumMod val="95000"/>
+                  </a:schemeClr>
+                </a:solidFill>
+              </a:rPr>
+              <a:t>, и след това намерете сумата по </a:t>
+            </a:r>
+            <a:r>
+              <a:rPr lang="bg-BG" smtClean="0">
+                <a:solidFill>
+                  <a:schemeClr val="bg1">
+                    <a:lumMod val="95000"/>
+                  </a:schemeClr>
+                </a:solidFill>
+              </a:rPr>
+              <a:t>главния диагонал.</a:t>
+            </a:r>
+            <a:endParaRPr lang="en-US" dirty="0"/>
+          </a:p>
+        </p:txBody>
+      </p:sp>
+    </p:spTree>
+    <p:extLst>
+      <p:ext uri="{BB962C8B-B14F-4D97-AF65-F5344CB8AC3E}">
+        <p14:creationId xmlns:p14="http://schemas.microsoft.com/office/powerpoint/2010/main" val="2317720734"/>
+      </p:ext>
+    </p:extLst>
+  </p:cSld>
+  <p:clrMapOvr>
+    <a:masterClrMapping/>
+  </p:clrMapOvr>
+</p:sld>
+</file>
+
+<file path=ppt/slides/slide15.xml><?xml version="1.0" encoding="utf-8"?>
 <p:sld xmlns:a="http://schemas.openxmlformats.org/drawingml/2006/main" xmlns:r="http://schemas.openxmlformats.org/officeDocument/2006/relationships" xmlns:p="http://schemas.openxmlformats.org/presentationml/2006/main">
   <p:cSld>
     <p:spTree>
@@ -4721,7 +5009,7 @@
 </p:sld>
 </file>
 
-<file path=ppt/slides/slide14.xml><?xml version="1.0" encoding="utf-8"?>
+<file path=ppt/slides/slide16.xml><?xml version="1.0" encoding="utf-8"?>
 <p:sld xmlns:a="http://schemas.openxmlformats.org/drawingml/2006/main" xmlns:r="http://schemas.openxmlformats.org/officeDocument/2006/relationships" xmlns:p="http://schemas.openxmlformats.org/presentationml/2006/main">
   <p:cSld>
     <p:spTree>
@@ -4902,7 +5190,7 @@
 </p:sld>
 </file>
 
-<file path=ppt/slides/slide15.xml><?xml version="1.0" encoding="utf-8"?>
+<file path=ppt/slides/slide17.xml><?xml version="1.0" encoding="utf-8"?>
 <p:sld xmlns:a="http://schemas.openxmlformats.org/drawingml/2006/main" xmlns:r="http://schemas.openxmlformats.org/officeDocument/2006/relationships" xmlns:p="http://schemas.openxmlformats.org/presentationml/2006/main">
   <p:cSld>
     <p:spTree>
@@ -5520,7 +5808,7 @@
 </p:sld>
 </file>
 
-<file path=ppt/slides/slide16.xml><?xml version="1.0" encoding="utf-8"?>
+<file path=ppt/slides/slide18.xml><?xml version="1.0" encoding="utf-8"?>
 <p:sld xmlns:a="http://schemas.openxmlformats.org/drawingml/2006/main" xmlns:r="http://schemas.openxmlformats.org/officeDocument/2006/relationships" xmlns:p="http://schemas.openxmlformats.org/presentationml/2006/main">
   <p:cSld>
     <p:spTree>
@@ -5758,7 +6046,7 @@
 </p:sld>
 </file>
 
-<file path=ppt/slides/slide17.xml><?xml version="1.0" encoding="utf-8"?>
+<file path=ppt/slides/slide19.xml><?xml version="1.0" encoding="utf-8"?>
 <p:sld xmlns:a="http://schemas.openxmlformats.org/drawingml/2006/main" xmlns:r="http://schemas.openxmlformats.org/officeDocument/2006/relationships" xmlns:p="http://schemas.openxmlformats.org/presentationml/2006/main">
   <p:cSld>
     <p:spTree>
